--- a/ppt/6. New TSQL Features/New TSQL Features.pptx
+++ b/ppt/6. New TSQL Features/New TSQL Features.pptx
@@ -8,6 +8,7 @@
     <p:sldId id="256" r:id="rId2"/>
     <p:sldId id="259" r:id="rId3"/>
     <p:sldId id="258" r:id="rId4"/>
+    <p:sldId id="260" r:id="rId5"/>
   </p:sldIdLst>
   <p:sldSz cx="12192000" cy="6858000"/>
   <p:notesSz cx="6858000" cy="9144000"/>
@@ -106,6 +107,11 @@
       </a:defRPr>
     </a:lvl9pPr>
   </p:defaultTextStyle>
+  <p:extLst>
+    <p:ext uri="{EFAFB233-063F-42B5-8137-9DF3F51BA10A}">
+      <p15:sldGuideLst xmlns:p15="http://schemas.microsoft.com/office/powerpoint/2012/main"/>
+    </p:ext>
+  </p:extLst>
 </p:presentation>
 </file>
 
@@ -305,7 +311,7 @@
           <a:p>
             <a:fld id="{09963D19-EFE3-4421-B0A8-73EED94659AF}" type="datetimeFigureOut">
               <a:rPr lang="en-US" smtClean="0"/>
-              <a:t>7/9/2018</a:t>
+              <a:t>7/10/2018</a:t>
             </a:fld>
             <a:endParaRPr lang="en-US"/>
           </a:p>
@@ -586,7 +592,7 @@
           <a:p>
             <a:fld id="{09963D19-EFE3-4421-B0A8-73EED94659AF}" type="datetimeFigureOut">
               <a:rPr lang="en-US" smtClean="0"/>
-              <a:t>7/9/2018</a:t>
+              <a:t>7/10/2018</a:t>
             </a:fld>
             <a:endParaRPr lang="en-US"/>
           </a:p>
@@ -778,7 +784,7 @@
           <a:p>
             <a:fld id="{09963D19-EFE3-4421-B0A8-73EED94659AF}" type="datetimeFigureOut">
               <a:rPr lang="en-US" smtClean="0"/>
-              <a:t>7/9/2018</a:t>
+              <a:t>7/10/2018</a:t>
             </a:fld>
             <a:endParaRPr lang="en-US"/>
           </a:p>
@@ -1039,7 +1045,7 @@
           <a:p>
             <a:fld id="{09963D19-EFE3-4421-B0A8-73EED94659AF}" type="datetimeFigureOut">
               <a:rPr lang="en-US" smtClean="0"/>
-              <a:t>7/9/2018</a:t>
+              <a:t>7/10/2018</a:t>
             </a:fld>
             <a:endParaRPr lang="en-US"/>
           </a:p>
@@ -1465,7 +1471,7 @@
           <a:p>
             <a:fld id="{09963D19-EFE3-4421-B0A8-73EED94659AF}" type="datetimeFigureOut">
               <a:rPr lang="en-US" smtClean="0"/>
-              <a:t>7/9/2018</a:t>
+              <a:t>7/10/2018</a:t>
             </a:fld>
             <a:endParaRPr lang="en-US"/>
           </a:p>
@@ -2011,7 +2017,7 @@
           <a:p>
             <a:fld id="{09963D19-EFE3-4421-B0A8-73EED94659AF}" type="datetimeFigureOut">
               <a:rPr lang="en-US" smtClean="0"/>
-              <a:t>7/9/2018</a:t>
+              <a:t>7/10/2018</a:t>
             </a:fld>
             <a:endParaRPr lang="en-US"/>
           </a:p>
@@ -2842,7 +2848,7 @@
           <a:p>
             <a:fld id="{09963D19-EFE3-4421-B0A8-73EED94659AF}" type="datetimeFigureOut">
               <a:rPr lang="en-US" smtClean="0"/>
-              <a:t>7/9/2018</a:t>
+              <a:t>7/10/2018</a:t>
             </a:fld>
             <a:endParaRPr lang="en-US"/>
           </a:p>
@@ -3012,7 +3018,7 @@
           <a:p>
             <a:fld id="{09963D19-EFE3-4421-B0A8-73EED94659AF}" type="datetimeFigureOut">
               <a:rPr lang="en-US" smtClean="0"/>
-              <a:t>7/9/2018</a:t>
+              <a:t>7/10/2018</a:t>
             </a:fld>
             <a:endParaRPr lang="en-US"/>
           </a:p>
@@ -3192,7 +3198,7 @@
           <a:p>
             <a:fld id="{09963D19-EFE3-4421-B0A8-73EED94659AF}" type="datetimeFigureOut">
               <a:rPr lang="en-US" smtClean="0"/>
-              <a:t>7/9/2018</a:t>
+              <a:t>7/10/2018</a:t>
             </a:fld>
             <a:endParaRPr lang="en-US"/>
           </a:p>
@@ -3389,7 +3395,7 @@
           <a:p>
             <a:fld id="{09963D19-EFE3-4421-B0A8-73EED94659AF}" type="datetimeFigureOut">
               <a:rPr lang="en-US" smtClean="0"/>
-              <a:t>7/9/2018</a:t>
+              <a:t>7/10/2018</a:t>
             </a:fld>
             <a:endParaRPr lang="en-US"/>
           </a:p>
@@ -3646,7 +3652,7 @@
           <a:p>
             <a:fld id="{09963D19-EFE3-4421-B0A8-73EED94659AF}" type="datetimeFigureOut">
               <a:rPr lang="en-US" smtClean="0"/>
-              <a:t>7/9/2018</a:t>
+              <a:t>7/10/2018</a:t>
             </a:fld>
             <a:endParaRPr lang="en-US"/>
           </a:p>
@@ -3878,7 +3884,7 @@
           <a:p>
             <a:fld id="{09963D19-EFE3-4421-B0A8-73EED94659AF}" type="datetimeFigureOut">
               <a:rPr lang="en-US" smtClean="0"/>
-              <a:t>7/9/2018</a:t>
+              <a:t>7/10/2018</a:t>
             </a:fld>
             <a:endParaRPr lang="en-US"/>
           </a:p>
@@ -4271,7 +4277,7 @@
           <a:p>
             <a:fld id="{09963D19-EFE3-4421-B0A8-73EED94659AF}" type="datetimeFigureOut">
               <a:rPr lang="en-US" smtClean="0"/>
-              <a:t>7/9/2018</a:t>
+              <a:t>7/10/2018</a:t>
             </a:fld>
             <a:endParaRPr lang="en-US"/>
           </a:p>
@@ -4389,7 +4395,7 @@
           <a:p>
             <a:fld id="{09963D19-EFE3-4421-B0A8-73EED94659AF}" type="datetimeFigureOut">
               <a:rPr lang="en-US" smtClean="0"/>
-              <a:t>7/9/2018</a:t>
+              <a:t>7/10/2018</a:t>
             </a:fld>
             <a:endParaRPr lang="en-US"/>
           </a:p>
@@ -4484,7 +4490,7 @@
           <a:p>
             <a:fld id="{09963D19-EFE3-4421-B0A8-73EED94659AF}" type="datetimeFigureOut">
               <a:rPr lang="en-US" smtClean="0"/>
-              <a:t>7/9/2018</a:t>
+              <a:t>7/10/2018</a:t>
             </a:fld>
             <a:endParaRPr lang="en-US"/>
           </a:p>
@@ -4757,7 +4763,7 @@
           <a:p>
             <a:fld id="{09963D19-EFE3-4421-B0A8-73EED94659AF}" type="datetimeFigureOut">
               <a:rPr lang="en-US" smtClean="0"/>
-              <a:t>7/9/2018</a:t>
+              <a:t>7/10/2018</a:t>
             </a:fld>
             <a:endParaRPr lang="en-US"/>
           </a:p>
@@ -5038,7 +5044,7 @@
           <a:p>
             <a:fld id="{09963D19-EFE3-4421-B0A8-73EED94659AF}" type="datetimeFigureOut">
               <a:rPr lang="en-US" smtClean="0"/>
-              <a:t>7/9/2018</a:t>
+              <a:t>7/10/2018</a:t>
             </a:fld>
             <a:endParaRPr lang="en-US"/>
           </a:p>
@@ -5277,7 +5283,7 @@
           <a:p>
             <a:fld id="{09963D19-EFE3-4421-B0A8-73EED94659AF}" type="datetimeFigureOut">
               <a:rPr lang="en-US" smtClean="0"/>
-              <a:t>7/9/2018</a:t>
+              <a:t>7/10/2018</a:t>
             </a:fld>
             <a:endParaRPr lang="en-US"/>
           </a:p>
@@ -6824,10 +6830,234 @@
           </a:p>
         </p:txBody>
       </p:sp>
+      <p:sp>
+        <p:nvSpPr>
+          <p:cNvPr id="4" name="12-Point Star 3">
+            <a:extLst>
+              <a:ext uri="{FF2B5EF4-FFF2-40B4-BE49-F238E27FC236}">
+                <a16:creationId xmlns:a16="http://schemas.microsoft.com/office/drawing/2014/main" id="{60358325-DD25-463A-AED5-0BA2FE0C2FDD}"/>
+              </a:ext>
+            </a:extLst>
+          </p:cNvPr>
+          <p:cNvSpPr/>
+          <p:nvPr/>
+        </p:nvSpPr>
+        <p:spPr>
+          <a:xfrm rot="1816144">
+            <a:off x="8471106" y="3238194"/>
+            <a:ext cx="2352055" cy="1369390"/>
+          </a:xfrm>
+          <a:prstGeom prst="star12">
+            <a:avLst/>
+          </a:prstGeom>
+        </p:spPr>
+        <p:style>
+          <a:lnRef idx="1">
+            <a:schemeClr val="accent5"/>
+          </a:lnRef>
+          <a:fillRef idx="2">
+            <a:schemeClr val="accent5"/>
+          </a:fillRef>
+          <a:effectRef idx="1">
+            <a:schemeClr val="accent5"/>
+          </a:effectRef>
+          <a:fontRef idx="minor">
+            <a:schemeClr val="dk1"/>
+          </a:fontRef>
+        </p:style>
+        <p:txBody>
+          <a:bodyPr rtlCol="0" anchor="ctr"/>
+          <a:lstStyle>
+            <a:defPPr>
+              <a:defRPr lang="en-US"/>
+            </a:defPPr>
+            <a:lvl1pPr marL="0" algn="l" defTabSz="914400" rtl="0" eaLnBrk="1" latinLnBrk="0" hangingPunct="1">
+              <a:defRPr sz="1800" kern="1200">
+                <a:solidFill>
+                  <a:schemeClr val="dk1"/>
+                </a:solidFill>
+                <a:latin typeface="+mn-lt"/>
+                <a:ea typeface="+mn-ea"/>
+                <a:cs typeface="+mn-cs"/>
+              </a:defRPr>
+            </a:lvl1pPr>
+            <a:lvl2pPr marL="457200" algn="l" defTabSz="914400" rtl="0" eaLnBrk="1" latinLnBrk="0" hangingPunct="1">
+              <a:defRPr sz="1800" kern="1200">
+                <a:solidFill>
+                  <a:schemeClr val="dk1"/>
+                </a:solidFill>
+                <a:latin typeface="+mn-lt"/>
+                <a:ea typeface="+mn-ea"/>
+                <a:cs typeface="+mn-cs"/>
+              </a:defRPr>
+            </a:lvl2pPr>
+            <a:lvl3pPr marL="914400" algn="l" defTabSz="914400" rtl="0" eaLnBrk="1" latinLnBrk="0" hangingPunct="1">
+              <a:defRPr sz="1800" kern="1200">
+                <a:solidFill>
+                  <a:schemeClr val="dk1"/>
+                </a:solidFill>
+                <a:latin typeface="+mn-lt"/>
+                <a:ea typeface="+mn-ea"/>
+                <a:cs typeface="+mn-cs"/>
+              </a:defRPr>
+            </a:lvl3pPr>
+            <a:lvl4pPr marL="1371600" algn="l" defTabSz="914400" rtl="0" eaLnBrk="1" latinLnBrk="0" hangingPunct="1">
+              <a:defRPr sz="1800" kern="1200">
+                <a:solidFill>
+                  <a:schemeClr val="dk1"/>
+                </a:solidFill>
+                <a:latin typeface="+mn-lt"/>
+                <a:ea typeface="+mn-ea"/>
+                <a:cs typeface="+mn-cs"/>
+              </a:defRPr>
+            </a:lvl4pPr>
+            <a:lvl5pPr marL="1828800" algn="l" defTabSz="914400" rtl="0" eaLnBrk="1" latinLnBrk="0" hangingPunct="1">
+              <a:defRPr sz="1800" kern="1200">
+                <a:solidFill>
+                  <a:schemeClr val="dk1"/>
+                </a:solidFill>
+                <a:latin typeface="+mn-lt"/>
+                <a:ea typeface="+mn-ea"/>
+                <a:cs typeface="+mn-cs"/>
+              </a:defRPr>
+            </a:lvl5pPr>
+            <a:lvl6pPr marL="2286000" algn="l" defTabSz="914400" rtl="0" eaLnBrk="1" latinLnBrk="0" hangingPunct="1">
+              <a:defRPr sz="1800" kern="1200">
+                <a:solidFill>
+                  <a:schemeClr val="dk1"/>
+                </a:solidFill>
+                <a:latin typeface="+mn-lt"/>
+                <a:ea typeface="+mn-ea"/>
+                <a:cs typeface="+mn-cs"/>
+              </a:defRPr>
+            </a:lvl6pPr>
+            <a:lvl7pPr marL="2743200" algn="l" defTabSz="914400" rtl="0" eaLnBrk="1" latinLnBrk="0" hangingPunct="1">
+              <a:defRPr sz="1800" kern="1200">
+                <a:solidFill>
+                  <a:schemeClr val="dk1"/>
+                </a:solidFill>
+                <a:latin typeface="+mn-lt"/>
+                <a:ea typeface="+mn-ea"/>
+                <a:cs typeface="+mn-cs"/>
+              </a:defRPr>
+            </a:lvl7pPr>
+            <a:lvl8pPr marL="3200400" algn="l" defTabSz="914400" rtl="0" eaLnBrk="1" latinLnBrk="0" hangingPunct="1">
+              <a:defRPr sz="1800" kern="1200">
+                <a:solidFill>
+                  <a:schemeClr val="dk1"/>
+                </a:solidFill>
+                <a:latin typeface="+mn-lt"/>
+                <a:ea typeface="+mn-ea"/>
+                <a:cs typeface="+mn-cs"/>
+              </a:defRPr>
+            </a:lvl8pPr>
+            <a:lvl9pPr marL="3657600" algn="l" defTabSz="914400" rtl="0" eaLnBrk="1" latinLnBrk="0" hangingPunct="1">
+              <a:defRPr sz="1800" kern="1200">
+                <a:solidFill>
+                  <a:schemeClr val="dk1"/>
+                </a:solidFill>
+                <a:latin typeface="+mn-lt"/>
+                <a:ea typeface="+mn-ea"/>
+                <a:cs typeface="+mn-cs"/>
+              </a:defRPr>
+            </a:lvl9pPr>
+          </a:lstStyle>
+          <a:p>
+            <a:pPr algn="ctr"/>
+            <a:r>
+              <a:rPr lang="en-US" sz="2800" b="1" dirty="0"/>
+              <a:t>Demo!</a:t>
+            </a:r>
+          </a:p>
+        </p:txBody>
+      </p:sp>
     </p:spTree>
     <p:extLst>
       <p:ext uri="{BB962C8B-B14F-4D97-AF65-F5344CB8AC3E}">
         <p14:creationId xmlns:p14="http://schemas.microsoft.com/office/powerpoint/2010/main" val="3054813227"/>
+      </p:ext>
+    </p:extLst>
+  </p:cSld>
+  <p:clrMapOvr>
+    <a:masterClrMapping/>
+  </p:clrMapOvr>
+</p:sld>
+</file>
+
+<file path=ppt/slides/slide4.xml><?xml version="1.0" encoding="utf-8"?>
+<p:sld xmlns:a="http://schemas.openxmlformats.org/drawingml/2006/main" xmlns:r="http://schemas.openxmlformats.org/officeDocument/2006/relationships" xmlns:p="http://schemas.openxmlformats.org/presentationml/2006/main">
+  <p:cSld>
+    <p:spTree>
+      <p:nvGrpSpPr>
+        <p:cNvPr id="1" name=""/>
+        <p:cNvGrpSpPr/>
+        <p:nvPr/>
+      </p:nvGrpSpPr>
+      <p:grpSpPr>
+        <a:xfrm>
+          <a:off x="0" y="0"/>
+          <a:ext cx="0" cy="0"/>
+          <a:chOff x="0" y="0"/>
+          <a:chExt cx="0" cy="0"/>
+        </a:xfrm>
+      </p:grpSpPr>
+      <p:sp>
+        <p:nvSpPr>
+          <p:cNvPr id="2" name="Title 1">
+            <a:extLst>
+              <a:ext uri="{FF2B5EF4-FFF2-40B4-BE49-F238E27FC236}">
+                <a16:creationId xmlns:a16="http://schemas.microsoft.com/office/drawing/2014/main" id="{52643EB2-9AFE-4BB9-BAEF-5C2DCAE3344C}"/>
+              </a:ext>
+            </a:extLst>
+          </p:cNvPr>
+          <p:cNvSpPr>
+            <a:spLocks noGrp="1"/>
+          </p:cNvSpPr>
+          <p:nvPr>
+            <p:ph type="ctrTitle"/>
+          </p:nvPr>
+        </p:nvSpPr>
+        <p:spPr/>
+        <p:txBody>
+          <a:bodyPr/>
+          <a:lstStyle/>
+          <a:p>
+            <a:r>
+              <a:rPr lang="en-US" dirty="0"/>
+              <a:t>Questions?</a:t>
+            </a:r>
+          </a:p>
+        </p:txBody>
+      </p:sp>
+      <p:sp>
+        <p:nvSpPr>
+          <p:cNvPr id="3" name="Subtitle 2">
+            <a:extLst>
+              <a:ext uri="{FF2B5EF4-FFF2-40B4-BE49-F238E27FC236}">
+                <a16:creationId xmlns:a16="http://schemas.microsoft.com/office/drawing/2014/main" id="{4EFC2E59-B23F-48F5-B352-267B209BCC38}"/>
+              </a:ext>
+            </a:extLst>
+          </p:cNvPr>
+          <p:cNvSpPr>
+            <a:spLocks noGrp="1"/>
+          </p:cNvSpPr>
+          <p:nvPr>
+            <p:ph type="subTitle" idx="1"/>
+          </p:nvPr>
+        </p:nvSpPr>
+        <p:spPr/>
+        <p:txBody>
+          <a:bodyPr/>
+          <a:lstStyle/>
+          <a:p>
+            <a:endParaRPr lang="en-US"/>
+          </a:p>
+        </p:txBody>
+      </p:sp>
+    </p:spTree>
+    <p:extLst>
+      <p:ext uri="{BB962C8B-B14F-4D97-AF65-F5344CB8AC3E}">
+        <p14:creationId xmlns:p14="http://schemas.microsoft.com/office/powerpoint/2010/main" val="256637087"/>
       </p:ext>
     </p:extLst>
   </p:cSld>
